--- a/4. Ebook/Java Core/Classes and Object.pptx
+++ b/4. Ebook/Java Core/Classes and Object.pptx
@@ -290,7 +290,7 @@
             <a:fld id="{1D8BD707-D9CF-40AE-B4C6-C98DA3205C09}" type="datetimeFigureOut">
               <a:rPr lang="en-US" smtClean="0"/>
               <a:pPr/>
-              <a:t>6/23/2018</a:t>
+              <a:t>6/25/2018</a:t>
             </a:fld>
             <a:endParaRPr lang="en-US"/>
           </a:p>
@@ -457,7 +457,7 @@
             <a:fld id="{1D8BD707-D9CF-40AE-B4C6-C98DA3205C09}" type="datetimeFigureOut">
               <a:rPr lang="en-US" smtClean="0"/>
               <a:pPr/>
-              <a:t>6/23/2018</a:t>
+              <a:t>6/25/2018</a:t>
             </a:fld>
             <a:endParaRPr lang="en-US"/>
           </a:p>
@@ -634,7 +634,7 @@
             <a:fld id="{1D8BD707-D9CF-40AE-B4C6-C98DA3205C09}" type="datetimeFigureOut">
               <a:rPr lang="en-US" smtClean="0"/>
               <a:pPr/>
-              <a:t>6/23/2018</a:t>
+              <a:t>6/25/2018</a:t>
             </a:fld>
             <a:endParaRPr lang="en-US"/>
           </a:p>
@@ -801,7 +801,7 @@
             <a:fld id="{1D8BD707-D9CF-40AE-B4C6-C98DA3205C09}" type="datetimeFigureOut">
               <a:rPr lang="en-US" smtClean="0"/>
               <a:pPr/>
-              <a:t>6/23/2018</a:t>
+              <a:t>6/25/2018</a:t>
             </a:fld>
             <a:endParaRPr lang="en-US"/>
           </a:p>
@@ -1044,7 +1044,7 @@
             <a:fld id="{1D8BD707-D9CF-40AE-B4C6-C98DA3205C09}" type="datetimeFigureOut">
               <a:rPr lang="en-US" smtClean="0"/>
               <a:pPr/>
-              <a:t>6/23/2018</a:t>
+              <a:t>6/25/2018</a:t>
             </a:fld>
             <a:endParaRPr lang="en-US"/>
           </a:p>
@@ -1329,7 +1329,7 @@
             <a:fld id="{1D8BD707-D9CF-40AE-B4C6-C98DA3205C09}" type="datetimeFigureOut">
               <a:rPr lang="en-US" smtClean="0"/>
               <a:pPr/>
-              <a:t>6/23/2018</a:t>
+              <a:t>6/25/2018</a:t>
             </a:fld>
             <a:endParaRPr lang="en-US"/>
           </a:p>
@@ -1748,7 +1748,7 @@
             <a:fld id="{1D8BD707-D9CF-40AE-B4C6-C98DA3205C09}" type="datetimeFigureOut">
               <a:rPr lang="en-US" smtClean="0"/>
               <a:pPr/>
-              <a:t>6/23/2018</a:t>
+              <a:t>6/25/2018</a:t>
             </a:fld>
             <a:endParaRPr lang="en-US"/>
           </a:p>
@@ -1863,7 +1863,7 @@
             <a:fld id="{1D8BD707-D9CF-40AE-B4C6-C98DA3205C09}" type="datetimeFigureOut">
               <a:rPr lang="en-US" smtClean="0"/>
               <a:pPr/>
-              <a:t>6/23/2018</a:t>
+              <a:t>6/25/2018</a:t>
             </a:fld>
             <a:endParaRPr lang="en-US"/>
           </a:p>
@@ -1955,7 +1955,7 @@
             <a:fld id="{1D8BD707-D9CF-40AE-B4C6-C98DA3205C09}" type="datetimeFigureOut">
               <a:rPr lang="en-US" smtClean="0"/>
               <a:pPr/>
-              <a:t>6/23/2018</a:t>
+              <a:t>6/25/2018</a:t>
             </a:fld>
             <a:endParaRPr lang="en-US"/>
           </a:p>
@@ -2229,7 +2229,7 @@
             <a:fld id="{1D8BD707-D9CF-40AE-B4C6-C98DA3205C09}" type="datetimeFigureOut">
               <a:rPr lang="en-US" smtClean="0"/>
               <a:pPr/>
-              <a:t>6/23/2018</a:t>
+              <a:t>6/25/2018</a:t>
             </a:fld>
             <a:endParaRPr lang="en-US"/>
           </a:p>
@@ -2479,7 +2479,7 @@
             <a:fld id="{1D8BD707-D9CF-40AE-B4C6-C98DA3205C09}" type="datetimeFigureOut">
               <a:rPr lang="en-US" smtClean="0"/>
               <a:pPr/>
-              <a:t>6/23/2018</a:t>
+              <a:t>6/25/2018</a:t>
             </a:fld>
             <a:endParaRPr lang="en-US"/>
           </a:p>
@@ -2689,7 +2689,7 @@
             <a:fld id="{1D8BD707-D9CF-40AE-B4C6-C98DA3205C09}" type="datetimeFigureOut">
               <a:rPr lang="en-US" smtClean="0"/>
               <a:pPr/>
-              <a:t>6/23/2018</a:t>
+              <a:t>6/25/2018</a:t>
             </a:fld>
             <a:endParaRPr lang="en-US"/>
           </a:p>
@@ -3076,8 +3076,8 @@
           <a:lstStyle/>
           <a:p>
             <a:r>
-              <a:rPr lang="en-US" dirty="0" err="1" smtClean="0"/>
-              <a:t>Biến</a:t>
+              <a:rPr lang="en-US" dirty="0" smtClean="0"/>
+              <a:t>Classes</a:t>
             </a:r>
             <a:endParaRPr lang="en-US" dirty="0"/>
           </a:p>
@@ -3169,7 +3169,7 @@
           <a:p>
             <a:r>
               <a:rPr lang="en-US" dirty="0" err="1" smtClean="0"/>
-              <a:t>Các</a:t>
+              <a:t>Khai</a:t>
             </a:r>
             <a:r>
               <a:rPr lang="en-US" dirty="0" smtClean="0"/>
@@ -3177,78 +3177,50 @@
             </a:r>
             <a:r>
               <a:rPr lang="en-US" dirty="0" err="1" smtClean="0"/>
-              <a:t>kiểu</a:t>
+              <a:t>báo</a:t>
             </a:r>
             <a:r>
               <a:rPr lang="en-US" dirty="0" smtClean="0"/>
+              <a:t> class</a:t>
+            </a:r>
+            <a:endParaRPr lang="en-US" dirty="0"/>
+          </a:p>
+        </p:txBody>
+      </p:sp>
+      <p:sp>
+        <p:nvSpPr>
+          <p:cNvPr id="3" name="Content Placeholder 2"/>
+          <p:cNvSpPr>
+            <a:spLocks noGrp="1"/>
+          </p:cNvSpPr>
+          <p:nvPr>
+            <p:ph idx="1"/>
+          </p:nvPr>
+        </p:nvSpPr>
+        <p:spPr/>
+        <p:txBody>
+          <a:bodyPr/>
+          <a:lstStyle/>
+          <a:p>
+            <a:r>
+              <a:rPr lang="en-US" dirty="0"/>
+              <a:t>class </a:t>
+            </a:r>
+            <a:r>
+              <a:rPr lang="en-US" i="1" dirty="0" err="1"/>
+              <a:t>MyClass</a:t>
+            </a:r>
+            <a:r>
+              <a:rPr lang="en-US" dirty="0"/>
               <a:t> </a:t>
             </a:r>
             <a:r>
-              <a:rPr lang="en-US" dirty="0" err="1" smtClean="0"/>
-              <a:t>biến</a:t>
-            </a:r>
-            <a:endParaRPr lang="en-US" dirty="0"/>
-          </a:p>
-        </p:txBody>
-      </p:sp>
-      <p:sp>
-        <p:nvSpPr>
-          <p:cNvPr id="3" name="Content Placeholder 2"/>
-          <p:cNvSpPr>
-            <a:spLocks noGrp="1"/>
-          </p:cNvSpPr>
-          <p:nvPr>
-            <p:ph idx="1"/>
-          </p:nvPr>
-        </p:nvSpPr>
-        <p:spPr/>
-        <p:txBody>
-          <a:bodyPr/>
-          <a:lstStyle/>
-          <a:p>
-            <a:endParaRPr lang="en-US" dirty="0"/>
-          </a:p>
-        </p:txBody>
-      </p:sp>
-      <p:sp>
-        <p:nvSpPr>
-          <p:cNvPr id="4" name="Rectangle 3"/>
-          <p:cNvSpPr/>
-          <p:nvPr/>
-        </p:nvSpPr>
-        <p:spPr>
-          <a:xfrm>
-            <a:off x="3810000" y="2095500"/>
-            <a:ext cx="1524000" cy="1295400"/>
-          </a:xfrm>
-          <a:prstGeom prst="rect">
-            <a:avLst/>
-          </a:prstGeom>
-        </p:spPr>
-        <p:style>
-          <a:lnRef idx="2">
-            <a:schemeClr val="accent1">
-              <a:shade val="50000"/>
-            </a:schemeClr>
-          </a:lnRef>
-          <a:fillRef idx="1">
-            <a:schemeClr val="accent1"/>
-          </a:fillRef>
-          <a:effectRef idx="0">
-            <a:schemeClr val="accent1"/>
-          </a:effectRef>
-          <a:fontRef idx="minor">
-            <a:schemeClr val="lt1"/>
-          </a:fontRef>
-        </p:style>
-        <p:txBody>
-          <a:bodyPr rtlCol="0" anchor="ctr"/>
-          <a:lstStyle/>
-          <a:p>
-            <a:pPr algn="ctr"/>
-            <a:r>
               <a:rPr lang="en-US" dirty="0" smtClean="0"/>
-              <a:t>Variable</a:t>
+              <a:t>{ </a:t>
+            </a:r>
+            <a:r>
+              <a:rPr lang="en-US" dirty="0"/>
+              <a:t>// field, constructor, and // method declarations }</a:t>
             </a:r>
             <a:endParaRPr lang="en-US" dirty="0"/>
           </a:p>
@@ -3312,83 +3284,15 @@
             </a:r>
             <a:r>
               <a:rPr lang="en-US" dirty="0" smtClean="0"/>
-              <a:t> - </a:t>
+              <a:t> </a:t>
+            </a:r>
+            <a:r>
+              <a:rPr lang="en-US" dirty="0" smtClean="0"/>
+              <a:t>- </a:t>
             </a:r>
             <a:r>
               <a:rPr lang="en-US" dirty="0"/>
               <a:t>Primitive </a:t>
-            </a:r>
-            <a:r>
-              <a:rPr lang="en-US" dirty="0" smtClean="0"/>
-              <a:t>type</a:t>
-            </a:r>
-            <a:endParaRPr lang="en-US" dirty="0"/>
-          </a:p>
-        </p:txBody>
-      </p:sp>
-      <p:sp>
-        <p:nvSpPr>
-          <p:cNvPr id="7" name="Rectangle 6"/>
-          <p:cNvSpPr/>
-          <p:nvPr/>
-        </p:nvSpPr>
-        <p:spPr>
-          <a:xfrm>
-            <a:off x="6096000" y="3390900"/>
-            <a:ext cx="2057400" cy="1295400"/>
-          </a:xfrm>
-          <a:prstGeom prst="rect">
-            <a:avLst/>
-          </a:prstGeom>
-        </p:spPr>
-        <p:style>
-          <a:lnRef idx="2">
-            <a:schemeClr val="accent1">
-              <a:shade val="50000"/>
-            </a:schemeClr>
-          </a:lnRef>
-          <a:fillRef idx="1">
-            <a:schemeClr val="accent1"/>
-          </a:fillRef>
-          <a:effectRef idx="0">
-            <a:schemeClr val="accent1"/>
-          </a:effectRef>
-          <a:fontRef idx="minor">
-            <a:schemeClr val="lt1"/>
-          </a:fontRef>
-        </p:style>
-        <p:txBody>
-          <a:bodyPr rtlCol="0" anchor="ctr"/>
-          <a:lstStyle/>
-          <a:p>
-            <a:pPr algn="ctr"/>
-            <a:r>
-              <a:rPr lang="en-US" dirty="0" err="1" smtClean="0"/>
-              <a:t>Biến</a:t>
-            </a:r>
-            <a:r>
-              <a:rPr lang="en-US" dirty="0" smtClean="0"/>
-              <a:t> </a:t>
-            </a:r>
-            <a:r>
-              <a:rPr lang="en-US" dirty="0" err="1" smtClean="0"/>
-              <a:t>tham</a:t>
-            </a:r>
-            <a:r>
-              <a:rPr lang="en-US" dirty="0" smtClean="0"/>
-              <a:t> </a:t>
-            </a:r>
-            <a:r>
-              <a:rPr lang="en-US" dirty="0" err="1" smtClean="0"/>
-              <a:t>chiếu</a:t>
-            </a:r>
-            <a:r>
-              <a:rPr lang="en-US" dirty="0" smtClean="0"/>
-              <a:t> - </a:t>
-            </a:r>
-            <a:r>
-              <a:rPr lang="en-US" dirty="0"/>
-              <a:t>Reference </a:t>
             </a:r>
             <a:r>
               <a:rPr lang="en-US" dirty="0" smtClean="0"/>
@@ -3470,7 +3374,6 @@
               <a:rPr lang="en-US" dirty="0"/>
               <a:t>Reference </a:t>
             </a:r>
-            <a:endParaRPr lang="en-US" dirty="0"/>
           </a:p>
         </p:txBody>
       </p:sp>

--- a/4. Ebook/Java Core/Classes and Object.pptx
+++ b/4. Ebook/Java Core/Classes and Object.pptx
@@ -7,6 +7,7 @@
   <p:sldIdLst>
     <p:sldId id="256" r:id="rId2"/>
     <p:sldId id="257" r:id="rId3"/>
+    <p:sldId id="258" r:id="rId4"/>
   </p:sldIdLst>
   <p:sldSz cx="9144000" cy="6858000" type="screen4x3"/>
   <p:notesSz cx="6858000" cy="9144000"/>
@@ -3187,55 +3188,62 @@
           </a:p>
         </p:txBody>
       </p:sp>
-      <p:sp>
-        <p:nvSpPr>
-          <p:cNvPr id="3" name="Content Placeholder 2"/>
-          <p:cNvSpPr>
-            <a:spLocks noGrp="1"/>
-          </p:cNvSpPr>
-          <p:nvPr>
-            <p:ph idx="1"/>
-          </p:nvPr>
-        </p:nvSpPr>
-        <p:spPr/>
-        <p:txBody>
-          <a:bodyPr/>
-          <a:lstStyle/>
-          <a:p>
-            <a:r>
-              <a:rPr lang="en-US" dirty="0"/>
-              <a:t>class </a:t>
-            </a:r>
-            <a:r>
-              <a:rPr lang="en-US" i="1" dirty="0" err="1"/>
-              <a:t>MyClass</a:t>
-            </a:r>
-            <a:r>
-              <a:rPr lang="en-US" dirty="0"/>
-              <a:t> </a:t>
-            </a:r>
-            <a:r>
-              <a:rPr lang="en-US" dirty="0" smtClean="0"/>
-              <a:t>{ </a:t>
-            </a:r>
-            <a:r>
-              <a:rPr lang="en-US" dirty="0"/>
-              <a:t>// field, constructor, and // method declarations }</a:t>
-            </a:r>
-            <a:endParaRPr lang="en-US" dirty="0"/>
-          </a:p>
-        </p:txBody>
-      </p:sp>
-      <p:sp>
-        <p:nvSpPr>
-          <p:cNvPr id="6" name="Rectangle 5"/>
-          <p:cNvSpPr/>
+      <p:pic>
+        <p:nvPicPr>
+          <p:cNvPr id="1026" name="Picture 2"/>
+          <p:cNvPicPr>
+            <a:picLocks noChangeAspect="1" noChangeArrowheads="1"/>
+          </p:cNvPicPr>
+          <p:nvPr/>
+        </p:nvPicPr>
+        <p:blipFill>
+          <a:blip r:embed="rId2">
+            <a:extLst>
+              <a:ext uri="{28A0092B-C50C-407E-A947-70E740481C1C}">
+                <a14:useLocalDpi xmlns:a14="http://schemas.microsoft.com/office/drawing/2010/main" val="0"/>
+              </a:ext>
+            </a:extLst>
+          </a:blip>
+          <a:srcRect/>
+          <a:stretch>
+            <a:fillRect/>
+          </a:stretch>
+        </p:blipFill>
+        <p:spPr bwMode="auto">
+          <a:xfrm>
+            <a:off x="847725" y="1524000"/>
+            <a:ext cx="7448550" cy="4267200"/>
+          </a:xfrm>
+          <a:prstGeom prst="rect">
+            <a:avLst/>
+          </a:prstGeom>
+          <a:ln/>
+        </p:spPr>
+        <p:style>
+          <a:lnRef idx="2">
+            <a:schemeClr val="accent3"/>
+          </a:lnRef>
+          <a:fillRef idx="1">
+            <a:schemeClr val="lt1"/>
+          </a:fillRef>
+          <a:effectRef idx="0">
+            <a:schemeClr val="accent3"/>
+          </a:effectRef>
+          <a:fontRef idx="minor">
+            <a:schemeClr val="dk1"/>
+          </a:fontRef>
+        </p:style>
+      </p:pic>
+      <p:sp>
+        <p:nvSpPr>
+          <p:cNvPr id="5" name="TextBox 4"/>
+          <p:cNvSpPr txBox="1"/>
           <p:nvPr/>
         </p:nvSpPr>
         <p:spPr>
           <a:xfrm>
-            <a:off x="1371600" y="3505200"/>
-            <a:ext cx="2286000" cy="1295400"/>
+            <a:off x="2667000" y="6063733"/>
+            <a:ext cx="3505200" cy="461665"/>
           </a:xfrm>
           <a:prstGeom prst="rect">
             <a:avLst/>
@@ -3258,122 +3266,52 @@
           </a:fontRef>
         </p:style>
         <p:txBody>
-          <a:bodyPr rtlCol="0" anchor="ctr"/>
-          <a:lstStyle/>
-          <a:p>
-            <a:pPr algn="ctr"/>
-            <a:r>
-              <a:rPr lang="en-US" dirty="0" err="1" smtClean="0"/>
-              <a:t>Biến</a:t>
-            </a:r>
-            <a:r>
-              <a:rPr lang="en-US" dirty="0" smtClean="0"/>
-              <a:t> </a:t>
-            </a:r>
-            <a:r>
-              <a:rPr lang="en-US" dirty="0" err="1" smtClean="0"/>
-              <a:t>nguyên</a:t>
-            </a:r>
-            <a:r>
-              <a:rPr lang="en-US" dirty="0" smtClean="0"/>
-              <a:t> </a:t>
-            </a:r>
-            <a:r>
-              <a:rPr lang="en-US" dirty="0" err="1" smtClean="0"/>
-              <a:t>thủy</a:t>
-            </a:r>
-            <a:r>
-              <a:rPr lang="en-US" dirty="0" smtClean="0"/>
-              <a:t> </a:t>
-            </a:r>
-            <a:r>
-              <a:rPr lang="en-US" dirty="0" smtClean="0"/>
-              <a:t>- </a:t>
-            </a:r>
-            <a:r>
-              <a:rPr lang="en-US" dirty="0"/>
-              <a:t>Primitive </a:t>
-            </a:r>
-            <a:r>
-              <a:rPr lang="en-US" dirty="0" smtClean="0"/>
-              <a:t>type</a:t>
-            </a:r>
-            <a:endParaRPr lang="en-US" dirty="0"/>
-          </a:p>
-        </p:txBody>
-      </p:sp>
-      <p:sp>
-        <p:nvSpPr>
-          <p:cNvPr id="8" name="TextBox 7"/>
-          <p:cNvSpPr txBox="1"/>
-          <p:nvPr/>
-        </p:nvSpPr>
-        <p:spPr>
-          <a:xfrm>
-            <a:off x="685800" y="5181600"/>
-            <a:ext cx="2690095" cy="369332"/>
-          </a:xfrm>
-          <a:prstGeom prst="rect">
-            <a:avLst/>
-          </a:prstGeom>
-          <a:noFill/>
-        </p:spPr>
-        <p:txBody>
-          <a:bodyPr wrap="none" rtlCol="0">
+          <a:bodyPr wrap="square" rtlCol="0">
             <a:spAutoFit/>
           </a:bodyPr>
           <a:lstStyle/>
           <a:p>
             <a:r>
-              <a:rPr lang="en-US" dirty="0" smtClean="0"/>
-              <a:t>Long, float, </a:t>
-            </a:r>
-            <a:r>
-              <a:rPr lang="en-US" dirty="0" err="1" smtClean="0"/>
-              <a:t>int</a:t>
-            </a:r>
-            <a:r>
-              <a:rPr lang="en-US" dirty="0" smtClean="0"/>
-              <a:t>, </a:t>
-            </a:r>
-            <a:r>
-              <a:rPr lang="en-US" dirty="0" err="1" smtClean="0"/>
-              <a:t>boolean</a:t>
-            </a:r>
-            <a:r>
-              <a:rPr lang="en-US" dirty="0" smtClean="0"/>
-              <a:t>,….</a:t>
-            </a:r>
-            <a:endParaRPr lang="en-US" dirty="0"/>
-          </a:p>
-        </p:txBody>
-      </p:sp>
-      <p:sp>
-        <p:nvSpPr>
-          <p:cNvPr id="10" name="TextBox 9"/>
-          <p:cNvSpPr txBox="1"/>
-          <p:nvPr/>
-        </p:nvSpPr>
-        <p:spPr>
-          <a:xfrm>
-            <a:off x="5334000" y="5181600"/>
-            <a:ext cx="1179682" cy="369332"/>
-          </a:xfrm>
-          <a:prstGeom prst="rect">
-            <a:avLst/>
-          </a:prstGeom>
-          <a:noFill/>
-        </p:spPr>
-        <p:txBody>
-          <a:bodyPr wrap="none" rtlCol="0">
-            <a:spAutoFit/>
-          </a:bodyPr>
-          <a:lstStyle/>
-          <a:p>
-            <a:r>
-              <a:rPr lang="en-US" dirty="0"/>
-              <a:t>Reference </a:t>
-            </a:r>
+              <a:rPr lang="en-US" sz="2400" dirty="0" err="1" smtClean="0"/>
+              <a:t>Đây</a:t>
+            </a:r>
+            <a:r>
+              <a:rPr lang="en-US" sz="2400" dirty="0" smtClean="0"/>
+              <a:t> </a:t>
+            </a:r>
+            <a:r>
+              <a:rPr lang="en-US" sz="2400" dirty="0" err="1" smtClean="0"/>
+              <a:t>là</a:t>
+            </a:r>
+            <a:r>
+              <a:rPr lang="en-US" sz="2400" dirty="0" smtClean="0"/>
+              <a:t> </a:t>
+            </a:r>
+            <a:r>
+              <a:rPr lang="en-US" sz="2400" dirty="0" err="1" smtClean="0"/>
+              <a:t>cách</a:t>
+            </a:r>
+            <a:r>
+              <a:rPr lang="en-US" sz="2400" dirty="0" smtClean="0"/>
+              <a:t> </a:t>
+            </a:r>
+            <a:r>
+              <a:rPr lang="en-US" sz="2400" dirty="0" err="1" smtClean="0"/>
+              <a:t>khai</a:t>
+            </a:r>
+            <a:r>
+              <a:rPr lang="en-US" sz="2400" dirty="0" smtClean="0"/>
+              <a:t> </a:t>
+            </a:r>
+            <a:r>
+              <a:rPr lang="en-US" sz="2400" dirty="0" err="1" smtClean="0"/>
+              <a:t>báo</a:t>
+            </a:r>
+            <a:r>
+              <a:rPr lang="en-US" sz="2400" dirty="0" smtClean="0"/>
+              <a:t> Class</a:t>
+            </a:r>
+            <a:endParaRPr lang="en-GB" sz="2400" dirty="0"/>
           </a:p>
         </p:txBody>
       </p:sp>
@@ -3381,6 +3319,94 @@
     <p:extLst>
       <p:ext uri="{BB962C8B-B14F-4D97-AF65-F5344CB8AC3E}">
         <p14:creationId xmlns:p14="http://schemas.microsoft.com/office/powerpoint/2010/main" val="107552117"/>
+      </p:ext>
+    </p:extLst>
+  </p:cSld>
+  <p:clrMapOvr>
+    <a:masterClrMapping/>
+  </p:clrMapOvr>
+</p:sld>
+</file>
+
+<file path=ppt/slides/slide3.xml><?xml version="1.0" encoding="utf-8"?>
+<p:sld xmlns:a="http://schemas.openxmlformats.org/drawingml/2006/main" xmlns:r="http://schemas.openxmlformats.org/officeDocument/2006/relationships" xmlns:p="http://schemas.openxmlformats.org/presentationml/2006/main">
+  <p:cSld>
+    <p:spTree>
+      <p:nvGrpSpPr>
+        <p:cNvPr id="1" name=""/>
+        <p:cNvGrpSpPr/>
+        <p:nvPr/>
+      </p:nvGrpSpPr>
+      <p:grpSpPr>
+        <a:xfrm>
+          <a:off x="0" y="0"/>
+          <a:ext cx="0" cy="0"/>
+          <a:chOff x="0" y="0"/>
+          <a:chExt cx="0" cy="0"/>
+        </a:xfrm>
+      </p:grpSpPr>
+      <p:sp>
+        <p:nvSpPr>
+          <p:cNvPr id="2" name="Title 1"/>
+          <p:cNvSpPr>
+            <a:spLocks noGrp="1"/>
+          </p:cNvSpPr>
+          <p:nvPr>
+            <p:ph type="title"/>
+          </p:nvPr>
+        </p:nvSpPr>
+        <p:spPr/>
+        <p:txBody>
+          <a:bodyPr/>
+          <a:lstStyle/>
+          <a:p>
+            <a:r>
+              <a:rPr lang="en-US" dirty="0" smtClean="0"/>
+              <a:t>Package </a:t>
+            </a:r>
+            <a:r>
+              <a:rPr lang="en-US" dirty="0" err="1" smtClean="0"/>
+              <a:t>là</a:t>
+            </a:r>
+            <a:r>
+              <a:rPr lang="en-US" dirty="0" smtClean="0"/>
+              <a:t> </a:t>
+            </a:r>
+            <a:r>
+              <a:rPr lang="en-US" dirty="0" err="1" smtClean="0"/>
+              <a:t>gì</a:t>
+            </a:r>
+            <a:r>
+              <a:rPr lang="en-US" dirty="0" smtClean="0"/>
+              <a:t>?</a:t>
+            </a:r>
+            <a:endParaRPr lang="en-GB" dirty="0"/>
+          </a:p>
+        </p:txBody>
+      </p:sp>
+      <p:sp>
+        <p:nvSpPr>
+          <p:cNvPr id="3" name="Content Placeholder 2"/>
+          <p:cNvSpPr>
+            <a:spLocks noGrp="1"/>
+          </p:cNvSpPr>
+          <p:nvPr>
+            <p:ph idx="1"/>
+          </p:nvPr>
+        </p:nvSpPr>
+        <p:spPr/>
+        <p:txBody>
+          <a:bodyPr/>
+          <a:lstStyle/>
+          <a:p>
+            <a:endParaRPr lang="en-GB"/>
+          </a:p>
+        </p:txBody>
+      </p:sp>
+    </p:spTree>
+    <p:extLst>
+      <p:ext uri="{BB962C8B-B14F-4D97-AF65-F5344CB8AC3E}">
+        <p14:creationId xmlns:p14="http://schemas.microsoft.com/office/powerpoint/2010/main" val="4143419382"/>
       </p:ext>
     </p:extLst>
   </p:cSld>

--- a/4. Ebook/Java Core/Classes and Object.pptx
+++ b/4. Ebook/Java Core/Classes and Object.pptx
@@ -3399,6 +3399,18 @@
           <a:bodyPr/>
           <a:lstStyle/>
           <a:p>
+            <a:r>
+              <a:rPr lang="en-GB" b="1" dirty="0"/>
+              <a:t>package </a:t>
+            </a:r>
+            <a:r>
+              <a:rPr lang="en-GB" b="1" dirty="0" err="1"/>
+              <a:t>com.javacore.basic.entity</a:t>
+            </a:r>
+            <a:r>
+              <a:rPr lang="en-GB" b="1"/>
+              <a:t>;</a:t>
+            </a:r>
             <a:endParaRPr lang="en-GB"/>
           </a:p>
         </p:txBody>
